--- a/ppt 16-9/1489.耶稣血能洗我.pptx
+++ b/ppt 16-9/1489.耶稣血能洗我.pptx
@@ -5,7 +5,7 @@
     <p:sldMasterId id="2147483648" r:id="rId1"/>
   </p:sldMasterIdLst>
   <p:sldIdLst>
-    <p:sldId id="1063" r:id="rId2"/>
+    <p:sldId id="1064" r:id="rId2"/>
   </p:sldIdLst>
   <p:sldSz cx="12192000" cy="6858000"/>
   <p:notesSz cx="6858000" cy="9144000"/>
@@ -129,7 +129,7 @@
           <p:cNvPr id="2" name="标题 1">
             <a:extLst>
               <a:ext uri="{FF2B5EF4-FFF2-40B4-BE49-F238E27FC236}">
-                <a16:creationId xmlns:a16="http://schemas.microsoft.com/office/drawing/2014/main" id="{3B0673F1-A6C3-2FC6-5B8F-BC6073CF0FFC}"/>
+                <a16:creationId xmlns:a16="http://schemas.microsoft.com/office/drawing/2014/main" id="{BB8D7AAB-7EEE-B571-B492-1B625744567D}"/>
               </a:ext>
             </a:extLst>
           </p:cNvPr>
@@ -166,7 +166,7 @@
           <p:cNvPr id="3" name="副标题 2">
             <a:extLst>
               <a:ext uri="{FF2B5EF4-FFF2-40B4-BE49-F238E27FC236}">
-                <a16:creationId xmlns:a16="http://schemas.microsoft.com/office/drawing/2014/main" id="{1E9A2CC1-AAE3-C79A-AABE-DDADCCD32F22}"/>
+                <a16:creationId xmlns:a16="http://schemas.microsoft.com/office/drawing/2014/main" id="{71A745D7-9A31-838A-04DC-8B8BE6F48946}"/>
               </a:ext>
             </a:extLst>
           </p:cNvPr>
@@ -236,7 +236,7 @@
           <p:cNvPr id="4" name="日期占位符 3">
             <a:extLst>
               <a:ext uri="{FF2B5EF4-FFF2-40B4-BE49-F238E27FC236}">
-                <a16:creationId xmlns:a16="http://schemas.microsoft.com/office/drawing/2014/main" id="{A995155C-F580-CBB5-61FB-0341084AF90C}"/>
+                <a16:creationId xmlns:a16="http://schemas.microsoft.com/office/drawing/2014/main" id="{297EF3E3-A58A-DB74-30BF-0A5BAB32E65D}"/>
               </a:ext>
             </a:extLst>
           </p:cNvPr>
@@ -252,7 +252,7 @@
           <a:bodyPr/>
           <a:lstStyle/>
           <a:p>
-            <a:fld id="{EF45C577-EDCE-4C75-8FE7-A9237D3A4718}" type="datetimeFigureOut">
+            <a:fld id="{E450550D-9ABE-4BA7-988E-615CE27E4B2C}" type="datetimeFigureOut">
               <a:rPr lang="zh-CN" altLang="en-US" smtClean="0"/>
               <a:t>2024/3/10</a:t>
             </a:fld>
@@ -265,7 +265,7 @@
           <p:cNvPr id="5" name="页脚占位符 4">
             <a:extLst>
               <a:ext uri="{FF2B5EF4-FFF2-40B4-BE49-F238E27FC236}">
-                <a16:creationId xmlns:a16="http://schemas.microsoft.com/office/drawing/2014/main" id="{FABAD745-8E27-3577-D77F-38926EB4DF7B}"/>
+                <a16:creationId xmlns:a16="http://schemas.microsoft.com/office/drawing/2014/main" id="{5E4BE081-C3F8-9D54-A66F-6BAA23B3EE00}"/>
               </a:ext>
             </a:extLst>
           </p:cNvPr>
@@ -290,7 +290,7 @@
           <p:cNvPr id="6" name="灯片编号占位符 5">
             <a:extLst>
               <a:ext uri="{FF2B5EF4-FFF2-40B4-BE49-F238E27FC236}">
-                <a16:creationId xmlns:a16="http://schemas.microsoft.com/office/drawing/2014/main" id="{2EBD2039-FEA2-BD5C-F617-C5ADAF433E4B}"/>
+                <a16:creationId xmlns:a16="http://schemas.microsoft.com/office/drawing/2014/main" id="{3EAC7401-EC73-D138-0EC1-D2515A9E9222}"/>
               </a:ext>
             </a:extLst>
           </p:cNvPr>
@@ -306,7 +306,7 @@
           <a:bodyPr/>
           <a:lstStyle/>
           <a:p>
-            <a:fld id="{F570E8B3-94C7-494E-B0AA-50A45404C38A}" type="slidenum">
+            <a:fld id="{EE54F62C-A0D1-472E-8526-00A7E0746550}" type="slidenum">
               <a:rPr lang="zh-CN" altLang="en-US" smtClean="0"/>
               <a:t>‹#›</a:t>
             </a:fld>
@@ -317,7 +317,7 @@
     </p:spTree>
     <p:extLst>
       <p:ext uri="{BB962C8B-B14F-4D97-AF65-F5344CB8AC3E}">
-        <p14:creationId xmlns:p14="http://schemas.microsoft.com/office/powerpoint/2010/main" val="3743760062"/>
+        <p14:creationId xmlns:p14="http://schemas.microsoft.com/office/powerpoint/2010/main" val="703384422"/>
       </p:ext>
     </p:extLst>
   </p:cSld>
@@ -349,7 +349,7 @@
           <p:cNvPr id="2" name="标题 1">
             <a:extLst>
               <a:ext uri="{FF2B5EF4-FFF2-40B4-BE49-F238E27FC236}">
-                <a16:creationId xmlns:a16="http://schemas.microsoft.com/office/drawing/2014/main" id="{B5E573D3-AD13-43E5-BC6F-3BD3C84D92FE}"/>
+                <a16:creationId xmlns:a16="http://schemas.microsoft.com/office/drawing/2014/main" id="{591E0694-9DA7-D72A-5421-F266A9DA31A0}"/>
               </a:ext>
             </a:extLst>
           </p:cNvPr>
@@ -377,7 +377,7 @@
           <p:cNvPr id="3" name="竖排文字占位符 2">
             <a:extLst>
               <a:ext uri="{FF2B5EF4-FFF2-40B4-BE49-F238E27FC236}">
-                <a16:creationId xmlns:a16="http://schemas.microsoft.com/office/drawing/2014/main" id="{B2836157-C97B-2F01-D324-B142B90B66EA}"/>
+                <a16:creationId xmlns:a16="http://schemas.microsoft.com/office/drawing/2014/main" id="{64152971-56A2-95E0-1985-450911134FF5}"/>
               </a:ext>
             </a:extLst>
           </p:cNvPr>
@@ -434,7 +434,7 @@
           <p:cNvPr id="4" name="日期占位符 3">
             <a:extLst>
               <a:ext uri="{FF2B5EF4-FFF2-40B4-BE49-F238E27FC236}">
-                <a16:creationId xmlns:a16="http://schemas.microsoft.com/office/drawing/2014/main" id="{203E7179-185E-0BD6-65C3-46A58BEC5121}"/>
+                <a16:creationId xmlns:a16="http://schemas.microsoft.com/office/drawing/2014/main" id="{F785883A-CCE7-1299-A5B3-86172FDD5899}"/>
               </a:ext>
             </a:extLst>
           </p:cNvPr>
@@ -450,7 +450,7 @@
           <a:bodyPr/>
           <a:lstStyle/>
           <a:p>
-            <a:fld id="{EF45C577-EDCE-4C75-8FE7-A9237D3A4718}" type="datetimeFigureOut">
+            <a:fld id="{E450550D-9ABE-4BA7-988E-615CE27E4B2C}" type="datetimeFigureOut">
               <a:rPr lang="zh-CN" altLang="en-US" smtClean="0"/>
               <a:t>2024/3/10</a:t>
             </a:fld>
@@ -463,7 +463,7 @@
           <p:cNvPr id="5" name="页脚占位符 4">
             <a:extLst>
               <a:ext uri="{FF2B5EF4-FFF2-40B4-BE49-F238E27FC236}">
-                <a16:creationId xmlns:a16="http://schemas.microsoft.com/office/drawing/2014/main" id="{D974C646-1327-5E9A-FD3E-D89BEAA124C6}"/>
+                <a16:creationId xmlns:a16="http://schemas.microsoft.com/office/drawing/2014/main" id="{3002CB5A-81FD-3127-23EA-1DC50ADC782D}"/>
               </a:ext>
             </a:extLst>
           </p:cNvPr>
@@ -488,7 +488,7 @@
           <p:cNvPr id="6" name="灯片编号占位符 5">
             <a:extLst>
               <a:ext uri="{FF2B5EF4-FFF2-40B4-BE49-F238E27FC236}">
-                <a16:creationId xmlns:a16="http://schemas.microsoft.com/office/drawing/2014/main" id="{2B0BDD2D-576F-802B-B427-30E65D84AB48}"/>
+                <a16:creationId xmlns:a16="http://schemas.microsoft.com/office/drawing/2014/main" id="{630A9D03-2AC1-043A-F3AC-C24763DADF51}"/>
               </a:ext>
             </a:extLst>
           </p:cNvPr>
@@ -504,7 +504,7 @@
           <a:bodyPr/>
           <a:lstStyle/>
           <a:p>
-            <a:fld id="{F570E8B3-94C7-494E-B0AA-50A45404C38A}" type="slidenum">
+            <a:fld id="{EE54F62C-A0D1-472E-8526-00A7E0746550}" type="slidenum">
               <a:rPr lang="zh-CN" altLang="en-US" smtClean="0"/>
               <a:t>‹#›</a:t>
             </a:fld>
@@ -515,7 +515,7 @@
     </p:spTree>
     <p:extLst>
       <p:ext uri="{BB962C8B-B14F-4D97-AF65-F5344CB8AC3E}">
-        <p14:creationId xmlns:p14="http://schemas.microsoft.com/office/powerpoint/2010/main" val="1716150023"/>
+        <p14:creationId xmlns:p14="http://schemas.microsoft.com/office/powerpoint/2010/main" val="727157006"/>
       </p:ext>
     </p:extLst>
   </p:cSld>
@@ -547,7 +547,7 @@
           <p:cNvPr id="2" name="竖排标题 1">
             <a:extLst>
               <a:ext uri="{FF2B5EF4-FFF2-40B4-BE49-F238E27FC236}">
-                <a16:creationId xmlns:a16="http://schemas.microsoft.com/office/drawing/2014/main" id="{50E1254C-BB69-236D-EE05-19EA7EA076CF}"/>
+                <a16:creationId xmlns:a16="http://schemas.microsoft.com/office/drawing/2014/main" id="{6210BE6C-FE5C-F01F-C2C4-C22CAAC7B852}"/>
               </a:ext>
             </a:extLst>
           </p:cNvPr>
@@ -580,7 +580,7 @@
           <p:cNvPr id="3" name="竖排文字占位符 2">
             <a:extLst>
               <a:ext uri="{FF2B5EF4-FFF2-40B4-BE49-F238E27FC236}">
-                <a16:creationId xmlns:a16="http://schemas.microsoft.com/office/drawing/2014/main" id="{8877F949-1998-047A-E738-EC0B7155158E}"/>
+                <a16:creationId xmlns:a16="http://schemas.microsoft.com/office/drawing/2014/main" id="{B01C12E7-3055-EC79-DCD7-58F5F4BF9E47}"/>
               </a:ext>
             </a:extLst>
           </p:cNvPr>
@@ -642,7 +642,7 @@
           <p:cNvPr id="4" name="日期占位符 3">
             <a:extLst>
               <a:ext uri="{FF2B5EF4-FFF2-40B4-BE49-F238E27FC236}">
-                <a16:creationId xmlns:a16="http://schemas.microsoft.com/office/drawing/2014/main" id="{9E74D4EF-5689-7173-CAEA-CE0B0003F6D3}"/>
+                <a16:creationId xmlns:a16="http://schemas.microsoft.com/office/drawing/2014/main" id="{78DDF87B-B08F-6FF3-6B66-8DFFCC25D4AE}"/>
               </a:ext>
             </a:extLst>
           </p:cNvPr>
@@ -658,7 +658,7 @@
           <a:bodyPr/>
           <a:lstStyle/>
           <a:p>
-            <a:fld id="{EF45C577-EDCE-4C75-8FE7-A9237D3A4718}" type="datetimeFigureOut">
+            <a:fld id="{E450550D-9ABE-4BA7-988E-615CE27E4B2C}" type="datetimeFigureOut">
               <a:rPr lang="zh-CN" altLang="en-US" smtClean="0"/>
               <a:t>2024/3/10</a:t>
             </a:fld>
@@ -671,7 +671,7 @@
           <p:cNvPr id="5" name="页脚占位符 4">
             <a:extLst>
               <a:ext uri="{FF2B5EF4-FFF2-40B4-BE49-F238E27FC236}">
-                <a16:creationId xmlns:a16="http://schemas.microsoft.com/office/drawing/2014/main" id="{2150420F-7F44-0747-01F2-455DD61FB3D5}"/>
+                <a16:creationId xmlns:a16="http://schemas.microsoft.com/office/drawing/2014/main" id="{32C2111B-205D-CCBC-B837-AACBC331B00E}"/>
               </a:ext>
             </a:extLst>
           </p:cNvPr>
@@ -696,7 +696,7 @@
           <p:cNvPr id="6" name="灯片编号占位符 5">
             <a:extLst>
               <a:ext uri="{FF2B5EF4-FFF2-40B4-BE49-F238E27FC236}">
-                <a16:creationId xmlns:a16="http://schemas.microsoft.com/office/drawing/2014/main" id="{C8C95D29-AF35-34BB-95F4-3990D58FFA0A}"/>
+                <a16:creationId xmlns:a16="http://schemas.microsoft.com/office/drawing/2014/main" id="{019E30D9-F4CB-8752-CE2D-7D4550BC58B0}"/>
               </a:ext>
             </a:extLst>
           </p:cNvPr>
@@ -712,7 +712,7 @@
           <a:bodyPr/>
           <a:lstStyle/>
           <a:p>
-            <a:fld id="{F570E8B3-94C7-494E-B0AA-50A45404C38A}" type="slidenum">
+            <a:fld id="{EE54F62C-A0D1-472E-8526-00A7E0746550}" type="slidenum">
               <a:rPr lang="zh-CN" altLang="en-US" smtClean="0"/>
               <a:t>‹#›</a:t>
             </a:fld>
@@ -723,7 +723,7 @@
     </p:spTree>
     <p:extLst>
       <p:ext uri="{BB962C8B-B14F-4D97-AF65-F5344CB8AC3E}">
-        <p14:creationId xmlns:p14="http://schemas.microsoft.com/office/powerpoint/2010/main" val="1770340918"/>
+        <p14:creationId xmlns:p14="http://schemas.microsoft.com/office/powerpoint/2010/main" val="3726728775"/>
       </p:ext>
     </p:extLst>
   </p:cSld>
@@ -755,7 +755,7 @@
           <p:cNvPr id="2" name="标题 1">
             <a:extLst>
               <a:ext uri="{FF2B5EF4-FFF2-40B4-BE49-F238E27FC236}">
-                <a16:creationId xmlns:a16="http://schemas.microsoft.com/office/drawing/2014/main" id="{B48292C9-36AF-1B3F-4486-48A0F3403FFD}"/>
+                <a16:creationId xmlns:a16="http://schemas.microsoft.com/office/drawing/2014/main" id="{194D36ED-0408-017F-7CC0-DDA2BBA43386}"/>
               </a:ext>
             </a:extLst>
           </p:cNvPr>
@@ -783,7 +783,7 @@
           <p:cNvPr id="3" name="内容占位符 2">
             <a:extLst>
               <a:ext uri="{FF2B5EF4-FFF2-40B4-BE49-F238E27FC236}">
-                <a16:creationId xmlns:a16="http://schemas.microsoft.com/office/drawing/2014/main" id="{7132A239-B627-53E2-98A7-DC5772416C58}"/>
+                <a16:creationId xmlns:a16="http://schemas.microsoft.com/office/drawing/2014/main" id="{C49EA43B-354C-6237-F49B-2E63DFC7B067}"/>
               </a:ext>
             </a:extLst>
           </p:cNvPr>
@@ -840,7 +840,7 @@
           <p:cNvPr id="4" name="日期占位符 3">
             <a:extLst>
               <a:ext uri="{FF2B5EF4-FFF2-40B4-BE49-F238E27FC236}">
-                <a16:creationId xmlns:a16="http://schemas.microsoft.com/office/drawing/2014/main" id="{984F7C93-638B-4E9C-40CF-6DE9C79CC1BB}"/>
+                <a16:creationId xmlns:a16="http://schemas.microsoft.com/office/drawing/2014/main" id="{8BC9CAFF-1A29-2435-6D3A-EE0A98B3E0C6}"/>
               </a:ext>
             </a:extLst>
           </p:cNvPr>
@@ -856,7 +856,7 @@
           <a:bodyPr/>
           <a:lstStyle/>
           <a:p>
-            <a:fld id="{EF45C577-EDCE-4C75-8FE7-A9237D3A4718}" type="datetimeFigureOut">
+            <a:fld id="{E450550D-9ABE-4BA7-988E-615CE27E4B2C}" type="datetimeFigureOut">
               <a:rPr lang="zh-CN" altLang="en-US" smtClean="0"/>
               <a:t>2024/3/10</a:t>
             </a:fld>
@@ -869,7 +869,7 @@
           <p:cNvPr id="5" name="页脚占位符 4">
             <a:extLst>
               <a:ext uri="{FF2B5EF4-FFF2-40B4-BE49-F238E27FC236}">
-                <a16:creationId xmlns:a16="http://schemas.microsoft.com/office/drawing/2014/main" id="{93F90E3B-C059-251F-DFE9-2C6F4D0E9137}"/>
+                <a16:creationId xmlns:a16="http://schemas.microsoft.com/office/drawing/2014/main" id="{90673B3B-7AE8-475E-E6BC-0E929C7A0318}"/>
               </a:ext>
             </a:extLst>
           </p:cNvPr>
@@ -894,7 +894,7 @@
           <p:cNvPr id="6" name="灯片编号占位符 5">
             <a:extLst>
               <a:ext uri="{FF2B5EF4-FFF2-40B4-BE49-F238E27FC236}">
-                <a16:creationId xmlns:a16="http://schemas.microsoft.com/office/drawing/2014/main" id="{CACAEFDB-E721-8B95-1A7C-2C04DAFA6B7B}"/>
+                <a16:creationId xmlns:a16="http://schemas.microsoft.com/office/drawing/2014/main" id="{1D0CE035-1F97-BAA9-A834-177686078330}"/>
               </a:ext>
             </a:extLst>
           </p:cNvPr>
@@ -910,7 +910,7 @@
           <a:bodyPr/>
           <a:lstStyle/>
           <a:p>
-            <a:fld id="{F570E8B3-94C7-494E-B0AA-50A45404C38A}" type="slidenum">
+            <a:fld id="{EE54F62C-A0D1-472E-8526-00A7E0746550}" type="slidenum">
               <a:rPr lang="zh-CN" altLang="en-US" smtClean="0"/>
               <a:t>‹#›</a:t>
             </a:fld>
@@ -921,7 +921,7 @@
     </p:spTree>
     <p:extLst>
       <p:ext uri="{BB962C8B-B14F-4D97-AF65-F5344CB8AC3E}">
-        <p14:creationId xmlns:p14="http://schemas.microsoft.com/office/powerpoint/2010/main" val="1280051716"/>
+        <p14:creationId xmlns:p14="http://schemas.microsoft.com/office/powerpoint/2010/main" val="1188774154"/>
       </p:ext>
     </p:extLst>
   </p:cSld>
@@ -953,7 +953,7 @@
           <p:cNvPr id="2" name="标题 1">
             <a:extLst>
               <a:ext uri="{FF2B5EF4-FFF2-40B4-BE49-F238E27FC236}">
-                <a16:creationId xmlns:a16="http://schemas.microsoft.com/office/drawing/2014/main" id="{35638A60-3A9A-FD0D-CE73-A8CF6E938DE6}"/>
+                <a16:creationId xmlns:a16="http://schemas.microsoft.com/office/drawing/2014/main" id="{F68242F6-3FFF-5987-1C1C-CBC3552EBCD7}"/>
               </a:ext>
             </a:extLst>
           </p:cNvPr>
@@ -990,7 +990,7 @@
           <p:cNvPr id="3" name="文本占位符 2">
             <a:extLst>
               <a:ext uri="{FF2B5EF4-FFF2-40B4-BE49-F238E27FC236}">
-                <a16:creationId xmlns:a16="http://schemas.microsoft.com/office/drawing/2014/main" id="{5D38E5FA-AB35-0FD0-03A1-66E85E5FAD07}"/>
+                <a16:creationId xmlns:a16="http://schemas.microsoft.com/office/drawing/2014/main" id="{ECC1464C-7278-9D65-5F00-18BBE1F04460}"/>
               </a:ext>
             </a:extLst>
           </p:cNvPr>
@@ -1115,7 +1115,7 @@
           <p:cNvPr id="4" name="日期占位符 3">
             <a:extLst>
               <a:ext uri="{FF2B5EF4-FFF2-40B4-BE49-F238E27FC236}">
-                <a16:creationId xmlns:a16="http://schemas.microsoft.com/office/drawing/2014/main" id="{15619D01-4EF3-F3C0-D1F3-574DBC12CCA1}"/>
+                <a16:creationId xmlns:a16="http://schemas.microsoft.com/office/drawing/2014/main" id="{AED1B2DB-2D6A-67DF-D32E-5B4ACA6BBF31}"/>
               </a:ext>
             </a:extLst>
           </p:cNvPr>
@@ -1131,7 +1131,7 @@
           <a:bodyPr/>
           <a:lstStyle/>
           <a:p>
-            <a:fld id="{EF45C577-EDCE-4C75-8FE7-A9237D3A4718}" type="datetimeFigureOut">
+            <a:fld id="{E450550D-9ABE-4BA7-988E-615CE27E4B2C}" type="datetimeFigureOut">
               <a:rPr lang="zh-CN" altLang="en-US" smtClean="0"/>
               <a:t>2024/3/10</a:t>
             </a:fld>
@@ -1144,7 +1144,7 @@
           <p:cNvPr id="5" name="页脚占位符 4">
             <a:extLst>
               <a:ext uri="{FF2B5EF4-FFF2-40B4-BE49-F238E27FC236}">
-                <a16:creationId xmlns:a16="http://schemas.microsoft.com/office/drawing/2014/main" id="{43338818-DCFA-50D7-6BE8-6BD684365689}"/>
+                <a16:creationId xmlns:a16="http://schemas.microsoft.com/office/drawing/2014/main" id="{6370149E-8F2D-36BF-417B-F6950C455713}"/>
               </a:ext>
             </a:extLst>
           </p:cNvPr>
@@ -1169,7 +1169,7 @@
           <p:cNvPr id="6" name="灯片编号占位符 5">
             <a:extLst>
               <a:ext uri="{FF2B5EF4-FFF2-40B4-BE49-F238E27FC236}">
-                <a16:creationId xmlns:a16="http://schemas.microsoft.com/office/drawing/2014/main" id="{B21DE673-B379-08BF-440B-0891F60EC081}"/>
+                <a16:creationId xmlns:a16="http://schemas.microsoft.com/office/drawing/2014/main" id="{3D36495B-1F0A-5C7B-9DA3-CC5B43FF2009}"/>
               </a:ext>
             </a:extLst>
           </p:cNvPr>
@@ -1185,7 +1185,7 @@
           <a:bodyPr/>
           <a:lstStyle/>
           <a:p>
-            <a:fld id="{F570E8B3-94C7-494E-B0AA-50A45404C38A}" type="slidenum">
+            <a:fld id="{EE54F62C-A0D1-472E-8526-00A7E0746550}" type="slidenum">
               <a:rPr lang="zh-CN" altLang="en-US" smtClean="0"/>
               <a:t>‹#›</a:t>
             </a:fld>
@@ -1196,7 +1196,7 @@
     </p:spTree>
     <p:extLst>
       <p:ext uri="{BB962C8B-B14F-4D97-AF65-F5344CB8AC3E}">
-        <p14:creationId xmlns:p14="http://schemas.microsoft.com/office/powerpoint/2010/main" val="1724386993"/>
+        <p14:creationId xmlns:p14="http://schemas.microsoft.com/office/powerpoint/2010/main" val="1758535354"/>
       </p:ext>
     </p:extLst>
   </p:cSld>
@@ -1228,7 +1228,7 @@
           <p:cNvPr id="2" name="标题 1">
             <a:extLst>
               <a:ext uri="{FF2B5EF4-FFF2-40B4-BE49-F238E27FC236}">
-                <a16:creationId xmlns:a16="http://schemas.microsoft.com/office/drawing/2014/main" id="{C43D4C53-46AA-DA59-D401-8D0526AC0AF5}"/>
+                <a16:creationId xmlns:a16="http://schemas.microsoft.com/office/drawing/2014/main" id="{ECA2D3AF-FF02-45AB-C6F6-582C5ABA71D0}"/>
               </a:ext>
             </a:extLst>
           </p:cNvPr>
@@ -1256,7 +1256,7 @@
           <p:cNvPr id="3" name="内容占位符 2">
             <a:extLst>
               <a:ext uri="{FF2B5EF4-FFF2-40B4-BE49-F238E27FC236}">
-                <a16:creationId xmlns:a16="http://schemas.microsoft.com/office/drawing/2014/main" id="{E691C02D-DF46-FE4E-4FD2-4E1E8A91EC57}"/>
+                <a16:creationId xmlns:a16="http://schemas.microsoft.com/office/drawing/2014/main" id="{237D41EC-937B-C5CC-52AD-C543A495982F}"/>
               </a:ext>
             </a:extLst>
           </p:cNvPr>
@@ -1318,7 +1318,7 @@
           <p:cNvPr id="4" name="内容占位符 3">
             <a:extLst>
               <a:ext uri="{FF2B5EF4-FFF2-40B4-BE49-F238E27FC236}">
-                <a16:creationId xmlns:a16="http://schemas.microsoft.com/office/drawing/2014/main" id="{774A832F-9BD7-FE61-B61A-152107B68CB4}"/>
+                <a16:creationId xmlns:a16="http://schemas.microsoft.com/office/drawing/2014/main" id="{4B989DFD-2E93-D910-8369-82D833B70F43}"/>
               </a:ext>
             </a:extLst>
           </p:cNvPr>
@@ -1380,7 +1380,7 @@
           <p:cNvPr id="5" name="日期占位符 4">
             <a:extLst>
               <a:ext uri="{FF2B5EF4-FFF2-40B4-BE49-F238E27FC236}">
-                <a16:creationId xmlns:a16="http://schemas.microsoft.com/office/drawing/2014/main" id="{AFA41DC4-544F-37BC-2DBB-5A1E45A4CF0A}"/>
+                <a16:creationId xmlns:a16="http://schemas.microsoft.com/office/drawing/2014/main" id="{89BB106D-A0C7-2101-1217-BE02170CA20E}"/>
               </a:ext>
             </a:extLst>
           </p:cNvPr>
@@ -1396,7 +1396,7 @@
           <a:bodyPr/>
           <a:lstStyle/>
           <a:p>
-            <a:fld id="{EF45C577-EDCE-4C75-8FE7-A9237D3A4718}" type="datetimeFigureOut">
+            <a:fld id="{E450550D-9ABE-4BA7-988E-615CE27E4B2C}" type="datetimeFigureOut">
               <a:rPr lang="zh-CN" altLang="en-US" smtClean="0"/>
               <a:t>2024/3/10</a:t>
             </a:fld>
@@ -1409,7 +1409,7 @@
           <p:cNvPr id="6" name="页脚占位符 5">
             <a:extLst>
               <a:ext uri="{FF2B5EF4-FFF2-40B4-BE49-F238E27FC236}">
-                <a16:creationId xmlns:a16="http://schemas.microsoft.com/office/drawing/2014/main" id="{DF4F9F89-2DCD-463F-DE44-24B7BE7224DD}"/>
+                <a16:creationId xmlns:a16="http://schemas.microsoft.com/office/drawing/2014/main" id="{9D45F853-517A-82BA-6083-20F2F7358FA2}"/>
               </a:ext>
             </a:extLst>
           </p:cNvPr>
@@ -1434,7 +1434,7 @@
           <p:cNvPr id="7" name="灯片编号占位符 6">
             <a:extLst>
               <a:ext uri="{FF2B5EF4-FFF2-40B4-BE49-F238E27FC236}">
-                <a16:creationId xmlns:a16="http://schemas.microsoft.com/office/drawing/2014/main" id="{7BB877F1-EB34-F9A0-A1CF-3E6685106243}"/>
+                <a16:creationId xmlns:a16="http://schemas.microsoft.com/office/drawing/2014/main" id="{8ABCDE7F-82FA-AC94-C687-A97747EDF3BE}"/>
               </a:ext>
             </a:extLst>
           </p:cNvPr>
@@ -1450,7 +1450,7 @@
           <a:bodyPr/>
           <a:lstStyle/>
           <a:p>
-            <a:fld id="{F570E8B3-94C7-494E-B0AA-50A45404C38A}" type="slidenum">
+            <a:fld id="{EE54F62C-A0D1-472E-8526-00A7E0746550}" type="slidenum">
               <a:rPr lang="zh-CN" altLang="en-US" smtClean="0"/>
               <a:t>‹#›</a:t>
             </a:fld>
@@ -1461,7 +1461,7 @@
     </p:spTree>
     <p:extLst>
       <p:ext uri="{BB962C8B-B14F-4D97-AF65-F5344CB8AC3E}">
-        <p14:creationId xmlns:p14="http://schemas.microsoft.com/office/powerpoint/2010/main" val="2858787702"/>
+        <p14:creationId xmlns:p14="http://schemas.microsoft.com/office/powerpoint/2010/main" val="3660000932"/>
       </p:ext>
     </p:extLst>
   </p:cSld>
@@ -1493,7 +1493,7 @@
           <p:cNvPr id="2" name="标题 1">
             <a:extLst>
               <a:ext uri="{FF2B5EF4-FFF2-40B4-BE49-F238E27FC236}">
-                <a16:creationId xmlns:a16="http://schemas.microsoft.com/office/drawing/2014/main" id="{EE1CA39E-DE5F-A904-578C-7CDDD2931507}"/>
+                <a16:creationId xmlns:a16="http://schemas.microsoft.com/office/drawing/2014/main" id="{8E015357-9AA9-6407-7E19-6647FB79BF20}"/>
               </a:ext>
             </a:extLst>
           </p:cNvPr>
@@ -1526,7 +1526,7 @@
           <p:cNvPr id="3" name="文本占位符 2">
             <a:extLst>
               <a:ext uri="{FF2B5EF4-FFF2-40B4-BE49-F238E27FC236}">
-                <a16:creationId xmlns:a16="http://schemas.microsoft.com/office/drawing/2014/main" id="{F9B4DEFC-6024-23A2-9DC9-729AB58F633C}"/>
+                <a16:creationId xmlns:a16="http://schemas.microsoft.com/office/drawing/2014/main" id="{B5E17B42-8A09-3761-803F-F77E7586015D}"/>
               </a:ext>
             </a:extLst>
           </p:cNvPr>
@@ -1597,7 +1597,7 @@
           <p:cNvPr id="4" name="内容占位符 3">
             <a:extLst>
               <a:ext uri="{FF2B5EF4-FFF2-40B4-BE49-F238E27FC236}">
-                <a16:creationId xmlns:a16="http://schemas.microsoft.com/office/drawing/2014/main" id="{C27B7908-3FEB-26DE-62BA-04A104620938}"/>
+                <a16:creationId xmlns:a16="http://schemas.microsoft.com/office/drawing/2014/main" id="{91E45514-C927-48FB-A319-7DE4DF8BFADA}"/>
               </a:ext>
             </a:extLst>
           </p:cNvPr>
@@ -1659,7 +1659,7 @@
           <p:cNvPr id="5" name="文本占位符 4">
             <a:extLst>
               <a:ext uri="{FF2B5EF4-FFF2-40B4-BE49-F238E27FC236}">
-                <a16:creationId xmlns:a16="http://schemas.microsoft.com/office/drawing/2014/main" id="{3E09436C-A718-0DEB-0C7F-2A268027778E}"/>
+                <a16:creationId xmlns:a16="http://schemas.microsoft.com/office/drawing/2014/main" id="{4B4C9E0F-6C2F-7431-DCBC-ADA5E5CB8DE9}"/>
               </a:ext>
             </a:extLst>
           </p:cNvPr>
@@ -1730,7 +1730,7 @@
           <p:cNvPr id="6" name="内容占位符 5">
             <a:extLst>
               <a:ext uri="{FF2B5EF4-FFF2-40B4-BE49-F238E27FC236}">
-                <a16:creationId xmlns:a16="http://schemas.microsoft.com/office/drawing/2014/main" id="{09E27312-D71D-CBB1-5EF1-5388D77FB5E3}"/>
+                <a16:creationId xmlns:a16="http://schemas.microsoft.com/office/drawing/2014/main" id="{4D61C843-669A-B4DA-C444-059260FAE934}"/>
               </a:ext>
             </a:extLst>
           </p:cNvPr>
@@ -1792,7 +1792,7 @@
           <p:cNvPr id="7" name="日期占位符 6">
             <a:extLst>
               <a:ext uri="{FF2B5EF4-FFF2-40B4-BE49-F238E27FC236}">
-                <a16:creationId xmlns:a16="http://schemas.microsoft.com/office/drawing/2014/main" id="{350F2471-FBFF-EE72-88C2-C902C300251C}"/>
+                <a16:creationId xmlns:a16="http://schemas.microsoft.com/office/drawing/2014/main" id="{6F49E14A-3535-CA22-0E84-ABEFEB7D2236}"/>
               </a:ext>
             </a:extLst>
           </p:cNvPr>
@@ -1808,7 +1808,7 @@
           <a:bodyPr/>
           <a:lstStyle/>
           <a:p>
-            <a:fld id="{EF45C577-EDCE-4C75-8FE7-A9237D3A4718}" type="datetimeFigureOut">
+            <a:fld id="{E450550D-9ABE-4BA7-988E-615CE27E4B2C}" type="datetimeFigureOut">
               <a:rPr lang="zh-CN" altLang="en-US" smtClean="0"/>
               <a:t>2024/3/10</a:t>
             </a:fld>
@@ -1821,7 +1821,7 @@
           <p:cNvPr id="8" name="页脚占位符 7">
             <a:extLst>
               <a:ext uri="{FF2B5EF4-FFF2-40B4-BE49-F238E27FC236}">
-                <a16:creationId xmlns:a16="http://schemas.microsoft.com/office/drawing/2014/main" id="{6D26EFD7-50AA-55E3-3EBD-BAE0D5387B63}"/>
+                <a16:creationId xmlns:a16="http://schemas.microsoft.com/office/drawing/2014/main" id="{77A07E9E-2147-F9AF-E5A6-9CFE1A1CFC98}"/>
               </a:ext>
             </a:extLst>
           </p:cNvPr>
@@ -1846,7 +1846,7 @@
           <p:cNvPr id="9" name="灯片编号占位符 8">
             <a:extLst>
               <a:ext uri="{FF2B5EF4-FFF2-40B4-BE49-F238E27FC236}">
-                <a16:creationId xmlns:a16="http://schemas.microsoft.com/office/drawing/2014/main" id="{788C4121-18F7-057C-9CD1-60D048C4C9E7}"/>
+                <a16:creationId xmlns:a16="http://schemas.microsoft.com/office/drawing/2014/main" id="{C9DD852C-0996-389F-B210-A84BEB5F2CE8}"/>
               </a:ext>
             </a:extLst>
           </p:cNvPr>
@@ -1862,7 +1862,7 @@
           <a:bodyPr/>
           <a:lstStyle/>
           <a:p>
-            <a:fld id="{F570E8B3-94C7-494E-B0AA-50A45404C38A}" type="slidenum">
+            <a:fld id="{EE54F62C-A0D1-472E-8526-00A7E0746550}" type="slidenum">
               <a:rPr lang="zh-CN" altLang="en-US" smtClean="0"/>
               <a:t>‹#›</a:t>
             </a:fld>
@@ -1873,7 +1873,7 @@
     </p:spTree>
     <p:extLst>
       <p:ext uri="{BB962C8B-B14F-4D97-AF65-F5344CB8AC3E}">
-        <p14:creationId xmlns:p14="http://schemas.microsoft.com/office/powerpoint/2010/main" val="2574182470"/>
+        <p14:creationId xmlns:p14="http://schemas.microsoft.com/office/powerpoint/2010/main" val="3594795342"/>
       </p:ext>
     </p:extLst>
   </p:cSld>
@@ -1905,7 +1905,7 @@
           <p:cNvPr id="2" name="标题 1">
             <a:extLst>
               <a:ext uri="{FF2B5EF4-FFF2-40B4-BE49-F238E27FC236}">
-                <a16:creationId xmlns:a16="http://schemas.microsoft.com/office/drawing/2014/main" id="{AC5A0463-E07B-6067-94D0-612F112E7C8F}"/>
+                <a16:creationId xmlns:a16="http://schemas.microsoft.com/office/drawing/2014/main" id="{1D931709-521B-3EFD-7B70-090B80FC7B55}"/>
               </a:ext>
             </a:extLst>
           </p:cNvPr>
@@ -1933,7 +1933,7 @@
           <p:cNvPr id="3" name="日期占位符 2">
             <a:extLst>
               <a:ext uri="{FF2B5EF4-FFF2-40B4-BE49-F238E27FC236}">
-                <a16:creationId xmlns:a16="http://schemas.microsoft.com/office/drawing/2014/main" id="{AAF13E37-CE7B-A5C5-D7D8-23404872F505}"/>
+                <a16:creationId xmlns:a16="http://schemas.microsoft.com/office/drawing/2014/main" id="{DF9D037F-D22D-1A14-FC59-46FF87966089}"/>
               </a:ext>
             </a:extLst>
           </p:cNvPr>
@@ -1949,7 +1949,7 @@
           <a:bodyPr/>
           <a:lstStyle/>
           <a:p>
-            <a:fld id="{EF45C577-EDCE-4C75-8FE7-A9237D3A4718}" type="datetimeFigureOut">
+            <a:fld id="{E450550D-9ABE-4BA7-988E-615CE27E4B2C}" type="datetimeFigureOut">
               <a:rPr lang="zh-CN" altLang="en-US" smtClean="0"/>
               <a:t>2024/3/10</a:t>
             </a:fld>
@@ -1962,7 +1962,7 @@
           <p:cNvPr id="4" name="页脚占位符 3">
             <a:extLst>
               <a:ext uri="{FF2B5EF4-FFF2-40B4-BE49-F238E27FC236}">
-                <a16:creationId xmlns:a16="http://schemas.microsoft.com/office/drawing/2014/main" id="{B1A037CB-355B-149C-5FF5-6C8EBF9609AF}"/>
+                <a16:creationId xmlns:a16="http://schemas.microsoft.com/office/drawing/2014/main" id="{7753B2DE-4EEB-92E3-DBA1-004E01CB51AA}"/>
               </a:ext>
             </a:extLst>
           </p:cNvPr>
@@ -1987,7 +1987,7 @@
           <p:cNvPr id="5" name="灯片编号占位符 4">
             <a:extLst>
               <a:ext uri="{FF2B5EF4-FFF2-40B4-BE49-F238E27FC236}">
-                <a16:creationId xmlns:a16="http://schemas.microsoft.com/office/drawing/2014/main" id="{D2A91770-E6C5-F7AF-BA2D-3BC5BD34CD96}"/>
+                <a16:creationId xmlns:a16="http://schemas.microsoft.com/office/drawing/2014/main" id="{32DA900B-DD12-2772-70DC-9FEC00034C0D}"/>
               </a:ext>
             </a:extLst>
           </p:cNvPr>
@@ -2003,7 +2003,7 @@
           <a:bodyPr/>
           <a:lstStyle/>
           <a:p>
-            <a:fld id="{F570E8B3-94C7-494E-B0AA-50A45404C38A}" type="slidenum">
+            <a:fld id="{EE54F62C-A0D1-472E-8526-00A7E0746550}" type="slidenum">
               <a:rPr lang="zh-CN" altLang="en-US" smtClean="0"/>
               <a:t>‹#›</a:t>
             </a:fld>
@@ -2014,7 +2014,7 @@
     </p:spTree>
     <p:extLst>
       <p:ext uri="{BB962C8B-B14F-4D97-AF65-F5344CB8AC3E}">
-        <p14:creationId xmlns:p14="http://schemas.microsoft.com/office/powerpoint/2010/main" val="2732810111"/>
+        <p14:creationId xmlns:p14="http://schemas.microsoft.com/office/powerpoint/2010/main" val="1464602839"/>
       </p:ext>
     </p:extLst>
   </p:cSld>
@@ -2046,7 +2046,7 @@
           <p:cNvPr id="2" name="日期占位符 1">
             <a:extLst>
               <a:ext uri="{FF2B5EF4-FFF2-40B4-BE49-F238E27FC236}">
-                <a16:creationId xmlns:a16="http://schemas.microsoft.com/office/drawing/2014/main" id="{A4EB91C1-CE37-879C-7C25-360FC9BFC142}"/>
+                <a16:creationId xmlns:a16="http://schemas.microsoft.com/office/drawing/2014/main" id="{82DD841B-BF0A-9978-21F7-52C847D45EE4}"/>
               </a:ext>
             </a:extLst>
           </p:cNvPr>
@@ -2062,7 +2062,7 @@
           <a:bodyPr/>
           <a:lstStyle/>
           <a:p>
-            <a:fld id="{EF45C577-EDCE-4C75-8FE7-A9237D3A4718}" type="datetimeFigureOut">
+            <a:fld id="{E450550D-9ABE-4BA7-988E-615CE27E4B2C}" type="datetimeFigureOut">
               <a:rPr lang="zh-CN" altLang="en-US" smtClean="0"/>
               <a:t>2024/3/10</a:t>
             </a:fld>
@@ -2075,7 +2075,7 @@
           <p:cNvPr id="3" name="页脚占位符 2">
             <a:extLst>
               <a:ext uri="{FF2B5EF4-FFF2-40B4-BE49-F238E27FC236}">
-                <a16:creationId xmlns:a16="http://schemas.microsoft.com/office/drawing/2014/main" id="{05113C31-0820-67D1-D643-EA6D1FB556D5}"/>
+                <a16:creationId xmlns:a16="http://schemas.microsoft.com/office/drawing/2014/main" id="{434A9A7C-E4B6-AFB9-F0EB-82314C753B40}"/>
               </a:ext>
             </a:extLst>
           </p:cNvPr>
@@ -2100,7 +2100,7 @@
           <p:cNvPr id="4" name="灯片编号占位符 3">
             <a:extLst>
               <a:ext uri="{FF2B5EF4-FFF2-40B4-BE49-F238E27FC236}">
-                <a16:creationId xmlns:a16="http://schemas.microsoft.com/office/drawing/2014/main" id="{CC9FCE03-DA4A-42CD-69EB-93D1A1900009}"/>
+                <a16:creationId xmlns:a16="http://schemas.microsoft.com/office/drawing/2014/main" id="{00F340DD-5533-710A-B700-34F5B14AFA63}"/>
               </a:ext>
             </a:extLst>
           </p:cNvPr>
@@ -2116,7 +2116,7 @@
           <a:bodyPr/>
           <a:lstStyle/>
           <a:p>
-            <a:fld id="{F570E8B3-94C7-494E-B0AA-50A45404C38A}" type="slidenum">
+            <a:fld id="{EE54F62C-A0D1-472E-8526-00A7E0746550}" type="slidenum">
               <a:rPr lang="zh-CN" altLang="en-US" smtClean="0"/>
               <a:t>‹#›</a:t>
             </a:fld>
@@ -2127,7 +2127,7 @@
     </p:spTree>
     <p:extLst>
       <p:ext uri="{BB962C8B-B14F-4D97-AF65-F5344CB8AC3E}">
-        <p14:creationId xmlns:p14="http://schemas.microsoft.com/office/powerpoint/2010/main" val="2656443981"/>
+        <p14:creationId xmlns:p14="http://schemas.microsoft.com/office/powerpoint/2010/main" val="3850470027"/>
       </p:ext>
     </p:extLst>
   </p:cSld>
@@ -2159,7 +2159,7 @@
           <p:cNvPr id="2" name="标题 1">
             <a:extLst>
               <a:ext uri="{FF2B5EF4-FFF2-40B4-BE49-F238E27FC236}">
-                <a16:creationId xmlns:a16="http://schemas.microsoft.com/office/drawing/2014/main" id="{97757FEA-BADF-4264-4474-C8297515F564}"/>
+                <a16:creationId xmlns:a16="http://schemas.microsoft.com/office/drawing/2014/main" id="{BC0FA221-68AC-0D50-74F2-533F6D6F5407}"/>
               </a:ext>
             </a:extLst>
           </p:cNvPr>
@@ -2196,7 +2196,7 @@
           <p:cNvPr id="3" name="内容占位符 2">
             <a:extLst>
               <a:ext uri="{FF2B5EF4-FFF2-40B4-BE49-F238E27FC236}">
-                <a16:creationId xmlns:a16="http://schemas.microsoft.com/office/drawing/2014/main" id="{84C3C0BB-98BF-6721-C269-6C2420929A6F}"/>
+                <a16:creationId xmlns:a16="http://schemas.microsoft.com/office/drawing/2014/main" id="{33D8D2BB-FC1B-EA21-154E-E9A1C3222657}"/>
               </a:ext>
             </a:extLst>
           </p:cNvPr>
@@ -2286,7 +2286,7 @@
           <p:cNvPr id="4" name="文本占位符 3">
             <a:extLst>
               <a:ext uri="{FF2B5EF4-FFF2-40B4-BE49-F238E27FC236}">
-                <a16:creationId xmlns:a16="http://schemas.microsoft.com/office/drawing/2014/main" id="{A4DB8961-A1D4-38D0-1471-BB415D9B22DD}"/>
+                <a16:creationId xmlns:a16="http://schemas.microsoft.com/office/drawing/2014/main" id="{DDAFA839-29F9-A28C-6F55-EF2AB02FADF3}"/>
               </a:ext>
             </a:extLst>
           </p:cNvPr>
@@ -2357,7 +2357,7 @@
           <p:cNvPr id="5" name="日期占位符 4">
             <a:extLst>
               <a:ext uri="{FF2B5EF4-FFF2-40B4-BE49-F238E27FC236}">
-                <a16:creationId xmlns:a16="http://schemas.microsoft.com/office/drawing/2014/main" id="{813956E8-258C-C8C1-2B62-2A8A60A372C3}"/>
+                <a16:creationId xmlns:a16="http://schemas.microsoft.com/office/drawing/2014/main" id="{93C9AFAC-9910-8A72-58CB-E03A8FBD1B1B}"/>
               </a:ext>
             </a:extLst>
           </p:cNvPr>
@@ -2373,7 +2373,7 @@
           <a:bodyPr/>
           <a:lstStyle/>
           <a:p>
-            <a:fld id="{EF45C577-EDCE-4C75-8FE7-A9237D3A4718}" type="datetimeFigureOut">
+            <a:fld id="{E450550D-9ABE-4BA7-988E-615CE27E4B2C}" type="datetimeFigureOut">
               <a:rPr lang="zh-CN" altLang="en-US" smtClean="0"/>
               <a:t>2024/3/10</a:t>
             </a:fld>
@@ -2386,7 +2386,7 @@
           <p:cNvPr id="6" name="页脚占位符 5">
             <a:extLst>
               <a:ext uri="{FF2B5EF4-FFF2-40B4-BE49-F238E27FC236}">
-                <a16:creationId xmlns:a16="http://schemas.microsoft.com/office/drawing/2014/main" id="{4F876C1C-1B06-5DC7-3063-E85B0359B24E}"/>
+                <a16:creationId xmlns:a16="http://schemas.microsoft.com/office/drawing/2014/main" id="{C2C5738E-E88F-D462-95DC-CB315C9BC0A3}"/>
               </a:ext>
             </a:extLst>
           </p:cNvPr>
@@ -2411,7 +2411,7 @@
           <p:cNvPr id="7" name="灯片编号占位符 6">
             <a:extLst>
               <a:ext uri="{FF2B5EF4-FFF2-40B4-BE49-F238E27FC236}">
-                <a16:creationId xmlns:a16="http://schemas.microsoft.com/office/drawing/2014/main" id="{4AB85325-4B6D-E658-3660-67A3C6ED0830}"/>
+                <a16:creationId xmlns:a16="http://schemas.microsoft.com/office/drawing/2014/main" id="{CA75709A-C016-6637-59E7-ADC32DF85F77}"/>
               </a:ext>
             </a:extLst>
           </p:cNvPr>
@@ -2427,7 +2427,7 @@
           <a:bodyPr/>
           <a:lstStyle/>
           <a:p>
-            <a:fld id="{F570E8B3-94C7-494E-B0AA-50A45404C38A}" type="slidenum">
+            <a:fld id="{EE54F62C-A0D1-472E-8526-00A7E0746550}" type="slidenum">
               <a:rPr lang="zh-CN" altLang="en-US" smtClean="0"/>
               <a:t>‹#›</a:t>
             </a:fld>
@@ -2438,7 +2438,7 @@
     </p:spTree>
     <p:extLst>
       <p:ext uri="{BB962C8B-B14F-4D97-AF65-F5344CB8AC3E}">
-        <p14:creationId xmlns:p14="http://schemas.microsoft.com/office/powerpoint/2010/main" val="2184381796"/>
+        <p14:creationId xmlns:p14="http://schemas.microsoft.com/office/powerpoint/2010/main" val="2872146644"/>
       </p:ext>
     </p:extLst>
   </p:cSld>
@@ -2470,7 +2470,7 @@
           <p:cNvPr id="2" name="标题 1">
             <a:extLst>
               <a:ext uri="{FF2B5EF4-FFF2-40B4-BE49-F238E27FC236}">
-                <a16:creationId xmlns:a16="http://schemas.microsoft.com/office/drawing/2014/main" id="{85EEE34A-2F01-F0B4-F95C-ABF0065C265B}"/>
+                <a16:creationId xmlns:a16="http://schemas.microsoft.com/office/drawing/2014/main" id="{8E7AFBE4-B074-DB2F-6A4B-10A738DD8248}"/>
               </a:ext>
             </a:extLst>
           </p:cNvPr>
@@ -2507,7 +2507,7 @@
           <p:cNvPr id="3" name="图片占位符 2">
             <a:extLst>
               <a:ext uri="{FF2B5EF4-FFF2-40B4-BE49-F238E27FC236}">
-                <a16:creationId xmlns:a16="http://schemas.microsoft.com/office/drawing/2014/main" id="{4DB149AD-8548-9B61-4D8B-AC52C3436949}"/>
+                <a16:creationId xmlns:a16="http://schemas.microsoft.com/office/drawing/2014/main" id="{031A3887-8C3E-028E-0BB6-3AA2BD7D60A3}"/>
               </a:ext>
             </a:extLst>
           </p:cNvPr>
@@ -2574,7 +2574,7 @@
           <p:cNvPr id="4" name="文本占位符 3">
             <a:extLst>
               <a:ext uri="{FF2B5EF4-FFF2-40B4-BE49-F238E27FC236}">
-                <a16:creationId xmlns:a16="http://schemas.microsoft.com/office/drawing/2014/main" id="{37F4E540-87B8-1FE9-C361-D36582C4F386}"/>
+                <a16:creationId xmlns:a16="http://schemas.microsoft.com/office/drawing/2014/main" id="{C94838B1-5B01-0A74-3FAF-C90B0EE26C49}"/>
               </a:ext>
             </a:extLst>
           </p:cNvPr>
@@ -2645,7 +2645,7 @@
           <p:cNvPr id="5" name="日期占位符 4">
             <a:extLst>
               <a:ext uri="{FF2B5EF4-FFF2-40B4-BE49-F238E27FC236}">
-                <a16:creationId xmlns:a16="http://schemas.microsoft.com/office/drawing/2014/main" id="{5300B622-3493-8251-466A-E679E72C1741}"/>
+                <a16:creationId xmlns:a16="http://schemas.microsoft.com/office/drawing/2014/main" id="{03CDA8D8-F6D7-6627-2A25-A34FD1A9D895}"/>
               </a:ext>
             </a:extLst>
           </p:cNvPr>
@@ -2661,7 +2661,7 @@
           <a:bodyPr/>
           <a:lstStyle/>
           <a:p>
-            <a:fld id="{EF45C577-EDCE-4C75-8FE7-A9237D3A4718}" type="datetimeFigureOut">
+            <a:fld id="{E450550D-9ABE-4BA7-988E-615CE27E4B2C}" type="datetimeFigureOut">
               <a:rPr lang="zh-CN" altLang="en-US" smtClean="0"/>
               <a:t>2024/3/10</a:t>
             </a:fld>
@@ -2674,7 +2674,7 @@
           <p:cNvPr id="6" name="页脚占位符 5">
             <a:extLst>
               <a:ext uri="{FF2B5EF4-FFF2-40B4-BE49-F238E27FC236}">
-                <a16:creationId xmlns:a16="http://schemas.microsoft.com/office/drawing/2014/main" id="{1688E305-507B-695B-7527-08F892C5E2D8}"/>
+                <a16:creationId xmlns:a16="http://schemas.microsoft.com/office/drawing/2014/main" id="{0ECA0503-F1AA-0CC8-305D-FD8D5043D8AF}"/>
               </a:ext>
             </a:extLst>
           </p:cNvPr>
@@ -2699,7 +2699,7 @@
           <p:cNvPr id="7" name="灯片编号占位符 6">
             <a:extLst>
               <a:ext uri="{FF2B5EF4-FFF2-40B4-BE49-F238E27FC236}">
-                <a16:creationId xmlns:a16="http://schemas.microsoft.com/office/drawing/2014/main" id="{FC4CFB81-E572-EA29-8DF8-0199E85FB8D5}"/>
+                <a16:creationId xmlns:a16="http://schemas.microsoft.com/office/drawing/2014/main" id="{38E14181-76DA-FADE-D7E6-250E11E66430}"/>
               </a:ext>
             </a:extLst>
           </p:cNvPr>
@@ -2715,7 +2715,7 @@
           <a:bodyPr/>
           <a:lstStyle/>
           <a:p>
-            <a:fld id="{F570E8B3-94C7-494E-B0AA-50A45404C38A}" type="slidenum">
+            <a:fld id="{EE54F62C-A0D1-472E-8526-00A7E0746550}" type="slidenum">
               <a:rPr lang="zh-CN" altLang="en-US" smtClean="0"/>
               <a:t>‹#›</a:t>
             </a:fld>
@@ -2726,7 +2726,7 @@
     </p:spTree>
     <p:extLst>
       <p:ext uri="{BB962C8B-B14F-4D97-AF65-F5344CB8AC3E}">
-        <p14:creationId xmlns:p14="http://schemas.microsoft.com/office/powerpoint/2010/main" val="4087604346"/>
+        <p14:creationId xmlns:p14="http://schemas.microsoft.com/office/powerpoint/2010/main" val="3802026437"/>
       </p:ext>
     </p:extLst>
   </p:cSld>
@@ -2763,7 +2763,7 @@
           <p:cNvPr id="2" name="标题占位符 1">
             <a:extLst>
               <a:ext uri="{FF2B5EF4-FFF2-40B4-BE49-F238E27FC236}">
-                <a16:creationId xmlns:a16="http://schemas.microsoft.com/office/drawing/2014/main" id="{6AF2115D-794A-B40D-D8C9-07E8D9E5D3E2}"/>
+                <a16:creationId xmlns:a16="http://schemas.microsoft.com/office/drawing/2014/main" id="{C156A276-54B1-43C0-6476-514902DAD904}"/>
               </a:ext>
             </a:extLst>
           </p:cNvPr>
@@ -2801,7 +2801,7 @@
           <p:cNvPr id="3" name="文本占位符 2">
             <a:extLst>
               <a:ext uri="{FF2B5EF4-FFF2-40B4-BE49-F238E27FC236}">
-                <a16:creationId xmlns:a16="http://schemas.microsoft.com/office/drawing/2014/main" id="{BD942E00-CCEB-8109-A166-1C1CB1F20CE1}"/>
+                <a16:creationId xmlns:a16="http://schemas.microsoft.com/office/drawing/2014/main" id="{32C15193-6539-D008-0428-E218894DB5F4}"/>
               </a:ext>
             </a:extLst>
           </p:cNvPr>
@@ -2868,7 +2868,7 @@
           <p:cNvPr id="4" name="日期占位符 3">
             <a:extLst>
               <a:ext uri="{FF2B5EF4-FFF2-40B4-BE49-F238E27FC236}">
-                <a16:creationId xmlns:a16="http://schemas.microsoft.com/office/drawing/2014/main" id="{0F708BF3-D204-66C0-7CDD-8D772EFC6983}"/>
+                <a16:creationId xmlns:a16="http://schemas.microsoft.com/office/drawing/2014/main" id="{661AFBFC-53A1-CCC9-9A0A-81DFBF012057}"/>
               </a:ext>
             </a:extLst>
           </p:cNvPr>
@@ -2902,7 +2902,7 @@
             </a:lvl1pPr>
           </a:lstStyle>
           <a:p>
-            <a:fld id="{EF45C577-EDCE-4C75-8FE7-A9237D3A4718}" type="datetimeFigureOut">
+            <a:fld id="{E450550D-9ABE-4BA7-988E-615CE27E4B2C}" type="datetimeFigureOut">
               <a:rPr lang="zh-CN" altLang="en-US" smtClean="0"/>
               <a:t>2024/3/10</a:t>
             </a:fld>
@@ -2915,7 +2915,7 @@
           <p:cNvPr id="5" name="页脚占位符 4">
             <a:extLst>
               <a:ext uri="{FF2B5EF4-FFF2-40B4-BE49-F238E27FC236}">
-                <a16:creationId xmlns:a16="http://schemas.microsoft.com/office/drawing/2014/main" id="{C4440220-14D1-D1FB-165D-9A4CB7951CD8}"/>
+                <a16:creationId xmlns:a16="http://schemas.microsoft.com/office/drawing/2014/main" id="{454BE353-86CC-5393-2B9C-0FD975B6128A}"/>
               </a:ext>
             </a:extLst>
           </p:cNvPr>
@@ -2958,7 +2958,7 @@
           <p:cNvPr id="6" name="灯片编号占位符 5">
             <a:extLst>
               <a:ext uri="{FF2B5EF4-FFF2-40B4-BE49-F238E27FC236}">
-                <a16:creationId xmlns:a16="http://schemas.microsoft.com/office/drawing/2014/main" id="{3CDE14B7-586B-BC42-4089-8EDCE38F7106}"/>
+                <a16:creationId xmlns:a16="http://schemas.microsoft.com/office/drawing/2014/main" id="{75F972EC-FB53-5453-377F-F338A91BC79E}"/>
               </a:ext>
             </a:extLst>
           </p:cNvPr>
@@ -2992,7 +2992,7 @@
             </a:lvl1pPr>
           </a:lstStyle>
           <a:p>
-            <a:fld id="{F570E8B3-94C7-494E-B0AA-50A45404C38A}" type="slidenum">
+            <a:fld id="{EE54F62C-A0D1-472E-8526-00A7E0746550}" type="slidenum">
               <a:rPr lang="zh-CN" altLang="en-US" smtClean="0"/>
               <a:t>‹#›</a:t>
             </a:fld>
@@ -3003,7 +3003,7 @@
     </p:spTree>
     <p:extLst>
       <p:ext uri="{BB962C8B-B14F-4D97-AF65-F5344CB8AC3E}">
-        <p14:creationId xmlns:p14="http://schemas.microsoft.com/office/powerpoint/2010/main" val="2919219373"/>
+        <p14:creationId xmlns:p14="http://schemas.microsoft.com/office/powerpoint/2010/main" val="140601242"/>
       </p:ext>
     </p:extLst>
   </p:cSld>
@@ -3323,7 +3323,7 @@
       </p:grpSpPr>
       <p:pic>
         <p:nvPicPr>
-          <p:cNvPr id="1524738" name="Picture 2" descr="1488"/>
+          <p:cNvPr id="1525762" name="Picture 2" descr="1489"/>
           <p:cNvPicPr>
             <a:picLocks noChangeAspect="1" noChangeArrowheads="1"/>
           </p:cNvPicPr>
@@ -3344,8 +3344,8 @@
         </p:blipFill>
         <p:spPr bwMode="auto">
           <a:xfrm>
-            <a:off x="1524000" y="1"/>
-            <a:ext cx="9144000" cy="5084763"/>
+            <a:off x="1524000" y="0"/>
+            <a:ext cx="9144000" cy="6021388"/>
           </a:xfrm>
           <a:prstGeom prst="rect">
             <a:avLst/>
